--- a/final presentation.pptx
+++ b/final presentation.pptx
@@ -5872,11 +5872,7 @@
             <a:pPr algn="ctr"/>
             <a:r>
               <a:rPr lang="en-US" dirty="0" smtClean="0"/>
-              <a:t>BLOCKCHAIN-BASED CARBON </a:t>
-            </a:r>
-            <a:r>
-              <a:rPr lang="en-US" dirty="0" smtClean="0"/>
-              <a:t>CREDIT ECOSYSTEM</a:t>
+              <a:t>BLOCKCHAIN-BASED CARBON CREDIT ECOSYSTEM</a:t>
             </a:r>
             <a:endParaRPr lang="en-US" dirty="0"/>
           </a:p>
@@ -5908,11 +5904,7 @@
             <a:pPr algn="ctr"/>
             <a:r>
               <a:rPr lang="en-US" dirty="0" smtClean="0"/>
-              <a:t>Guided </a:t>
-            </a:r>
-            <a:r>
-              <a:rPr lang="en-US" dirty="0" smtClean="0"/>
-              <a:t>by : Mrs. </a:t>
+              <a:t>Guided by : Mrs. </a:t>
             </a:r>
             <a:r>
               <a:rPr lang="en-US" dirty="0" err="1" smtClean="0"/>
@@ -6059,15 +6051,7 @@
           <a:p>
             <a:r>
               <a:rPr lang="en-US" dirty="0" smtClean="0"/>
-              <a:t>Multiple validators review and approve the retirement request</a:t>
-            </a:r>
-            <a:r>
-              <a:rPr lang="en-US" dirty="0" smtClean="0"/>
-              <a:t>. Once </a:t>
-            </a:r>
-            <a:r>
-              <a:rPr lang="en-US" dirty="0" smtClean="0"/>
-              <a:t>approved, a custom contract issues a Carbon Removal Certificate (NFT) to the consumer’s address.</a:t>
+              <a:t>Multiple validators review and approve the retirement request. Once approved, a custom contract issues a Carbon Removal Certificate (NFT) to the consumer’s address.</a:t>
             </a:r>
           </a:p>
           <a:p>
@@ -7304,13 +7288,11 @@
           <a:p>
             <a:r>
               <a:rPr lang="en-US" dirty="0" smtClean="0"/>
-              <a:t>User education and better UI/UX are needed for wider adoption.</a:t>
-            </a:r>
-          </a:p>
-          <a:p>
-            <a:r>
-              <a:rPr lang="en-US" dirty="0" smtClean="0"/>
-              <a:t>Integration with existing carbon credit systems can be challenging.</a:t>
+              <a:t>Integration </a:t>
+            </a:r>
+            <a:r>
+              <a:rPr lang="en-US" dirty="0" smtClean="0"/>
+              <a:t>with existing carbon credit systems can be challenging.</a:t>
             </a:r>
           </a:p>
           <a:p>
@@ -7322,7 +7304,19 @@
           <a:p>
             <a:r>
               <a:rPr lang="en-US" dirty="0" smtClean="0"/>
-              <a:t>User education and better UI/UX are needed for wider adoption.</a:t>
+              <a:t>User </a:t>
+            </a:r>
+            <a:r>
+              <a:rPr lang="en-US" smtClean="0"/>
+              <a:t>education </a:t>
+            </a:r>
+            <a:r>
+              <a:rPr lang="en-US" smtClean="0"/>
+              <a:t>is needed </a:t>
+            </a:r>
+            <a:r>
+              <a:rPr lang="en-US" dirty="0" smtClean="0"/>
+              <a:t>for wider adoption.</a:t>
             </a:r>
             <a:endParaRPr lang="en-US" dirty="0"/>
           </a:p>
